--- a/presentation.pptx
+++ b/presentation.pptx
@@ -38537,24 +38537,21 @@
                   <a:schemeClr val="tx1"/>
                 </a:solidFill>
               </a:rPr>
-              <a:t>Simple Method</a:t>
+              <a:t>Page </a:t>
             </a:r>
             <a:r>
-              <a:rPr lang="pt-BR" sz="2200" dirty="0">
+              <a:rPr lang="pt-BR" sz="2200" dirty="0" err="1" smtClean="0">
                 <a:solidFill>
                   <a:schemeClr val="tx1"/>
                 </a:solidFill>
               </a:rPr>
-              <a:t> </a:t>
+              <a:t>Rank</a:t>
             </a:r>
-            <a:r>
-              <a:rPr lang="pt-BR" sz="2200" dirty="0" smtClean="0">
-                <a:solidFill>
-                  <a:schemeClr val="tx1"/>
-                </a:solidFill>
-              </a:rPr>
-              <a:t>(each node is scored based on the ratio of wins to loses)</a:t>
-            </a:r>
+            <a:endParaRPr lang="pt-BR" sz="2200" dirty="0" smtClean="0">
+              <a:solidFill>
+                <a:schemeClr val="tx1"/>
+              </a:solidFill>
+            </a:endParaRPr>
           </a:p>
           <a:p>
             <a:pPr marL="342900" marR="0" lvl="0" indent="-342900" fontAlgn="auto">
@@ -38573,12 +38570,28 @@
               <a:defRPr/>
             </a:pPr>
             <a:r>
+              <a:rPr lang="pt-BR" sz="2200" dirty="0" err="1" smtClean="0">
+                <a:solidFill>
+                  <a:schemeClr val="tx1"/>
+                </a:solidFill>
+              </a:rPr>
+              <a:t>And</a:t>
+            </a:r>
+            <a:r>
               <a:rPr lang="pt-BR" sz="2200" dirty="0" smtClean="0">
                 <a:solidFill>
                   <a:schemeClr val="tx1"/>
                 </a:solidFill>
               </a:rPr>
-              <a:t>And more ....</a:t>
+              <a:t> </a:t>
+            </a:r>
+            <a:r>
+              <a:rPr lang="pt-BR" sz="2200" dirty="0" smtClean="0">
+                <a:solidFill>
+                  <a:schemeClr val="tx1"/>
+                </a:solidFill>
+              </a:rPr>
+              <a:t>more ....</a:t>
             </a:r>
             <a:endParaRPr lang="pt-BR" sz="2200" dirty="0">
               <a:solidFill>
@@ -39446,8 +39459,13 @@
                 <a:ea typeface="Courier New" charset="0"/>
                 <a:cs typeface="Courier New" charset="0"/>
               </a:rPr>
-              <a:t>...</a:t>
+              <a:t>         ...             ...  </a:t>
             </a:r>
+            <a:endParaRPr lang="pt-BR" sz="1400" dirty="0" smtClean="0">
+              <a:latin typeface="Courier New" charset="0"/>
+              <a:ea typeface="Courier New" charset="0"/>
+              <a:cs typeface="Courier New" charset="0"/>
+            </a:endParaRPr>
           </a:p>
           <a:p>
             <a:pPr lvl="1">
@@ -39503,7 +39521,7 @@
         </p:nvSpPr>
         <p:spPr>
           <a:xfrm>
-            <a:off x="3640993" y="3673431"/>
+            <a:off x="3573442" y="3519374"/>
             <a:ext cx="1278338" cy="494270"/>
           </a:xfrm>
           <a:prstGeom prst="rightArrow">
@@ -39558,8 +39576,8 @@
         </p:nvSpPr>
         <p:spPr>
           <a:xfrm>
-            <a:off x="4919331" y="3751289"/>
-            <a:ext cx="3406702" cy="307777"/>
+            <a:off x="4912554" y="3643713"/>
+            <a:ext cx="3717684" cy="276999"/>
           </a:xfrm>
           <a:prstGeom prst="rect">
             <a:avLst/>
@@ -39573,15 +39591,39 @@
           <a:lstStyle/>
           <a:p>
             <a:r>
-              <a:rPr lang="pt-BR" sz="1400" dirty="0" smtClean="0">
+              <a:rPr lang="pt-BR" sz="1200" dirty="0" err="1">
                 <a:latin typeface="Courier New" charset="0"/>
                 <a:ea typeface="Courier New" charset="0"/>
                 <a:cs typeface="Courier New" charset="0"/>
               </a:rPr>
-              <a:t>[.3, .4, .1</a:t>
+              <a:t>c</a:t>
             </a:r>
             <a:r>
-              <a:rPr lang="pt-BR" sz="1400" dirty="0">
+              <a:rPr lang="pt-BR" sz="1200" dirty="0" err="1" smtClean="0">
+                <a:latin typeface="Courier New" charset="0"/>
+                <a:ea typeface="Courier New" charset="0"/>
+                <a:cs typeface="Courier New" charset="0"/>
+              </a:rPr>
+              <a:t>oef</a:t>
+            </a:r>
+            <a:r>
+              <a:rPr lang="pt-BR" sz="1200" dirty="0" smtClean="0">
+                <a:latin typeface="Courier New" charset="0"/>
+                <a:ea typeface="Courier New" charset="0"/>
+                <a:cs typeface="Courier New" charset="0"/>
+              </a:rPr>
+              <a:t>_ = [.</a:t>
+            </a:r>
+            <a:r>
+              <a:rPr lang="pt-BR" sz="1200" dirty="0" smtClean="0">
+                <a:latin typeface="Courier New" charset="0"/>
+                <a:ea typeface="Courier New" charset="0"/>
+                <a:cs typeface="Courier New" charset="0"/>
+              </a:rPr>
+              <a:t>3, .4, .1</a:t>
+            </a:r>
+            <a:r>
+              <a:rPr lang="pt-BR" sz="1200" dirty="0">
                 <a:latin typeface="Courier New" charset="0"/>
                 <a:ea typeface="Courier New" charset="0"/>
                 <a:cs typeface="Courier New" charset="0"/>
@@ -39589,7 +39631,7 @@
               <a:t>, 0, </a:t>
             </a:r>
             <a:r>
-              <a:rPr lang="pt-BR" sz="1400" dirty="0" smtClean="0">
+              <a:rPr lang="pt-BR" sz="1200" dirty="0" smtClean="0">
                 <a:latin typeface="Courier New" charset="0"/>
                 <a:ea typeface="Courier New" charset="0"/>
                 <a:cs typeface="Courier New" charset="0"/>
@@ -39597,7 +39639,7 @@
               <a:t>.9, 1</a:t>
             </a:r>
             <a:r>
-              <a:rPr lang="pt-BR" sz="1400" dirty="0">
+              <a:rPr lang="pt-BR" sz="1200" dirty="0">
                 <a:latin typeface="Courier New" charset="0"/>
                 <a:ea typeface="Courier New" charset="0"/>
                 <a:cs typeface="Courier New" charset="0"/>
@@ -39605,14 +39647,14 @@
               <a:t>, </a:t>
             </a:r>
             <a:r>
-              <a:rPr lang="pt-BR" sz="1400" dirty="0" smtClean="0">
+              <a:rPr lang="pt-BR" sz="1200" dirty="0" smtClean="0">
                 <a:latin typeface="Courier New" charset="0"/>
                 <a:ea typeface="Courier New" charset="0"/>
                 <a:cs typeface="Courier New" charset="0"/>
               </a:rPr>
               <a:t>.7, .5]</a:t>
             </a:r>
-            <a:endParaRPr lang="en-US" sz="1400" dirty="0">
+            <a:endParaRPr lang="en-US" sz="1200" dirty="0">
               <a:latin typeface="Arial" charset="0"/>
               <a:ea typeface="Arial" charset="0"/>
               <a:cs typeface="Arial" charset="0"/>
@@ -39628,8 +39670,8 @@
         </p:nvCxnSpPr>
         <p:spPr>
           <a:xfrm>
-            <a:off x="492867" y="4520120"/>
-            <a:ext cx="2224392" cy="0"/>
+            <a:off x="463463" y="4569159"/>
+            <a:ext cx="2210844" cy="0"/>
           </a:xfrm>
           <a:prstGeom prst="straightConnector1">
             <a:avLst/>
@@ -39662,8 +39704,8 @@
         </p:nvCxnSpPr>
         <p:spPr>
           <a:xfrm flipV="1">
-            <a:off x="376135" y="3262009"/>
-            <a:ext cx="0" cy="1154349"/>
+            <a:off x="378884" y="3382027"/>
+            <a:ext cx="2747" cy="1105713"/>
           </a:xfrm>
           <a:prstGeom prst="straightConnector1">
             <a:avLst/>
@@ -39726,6 +39768,102 @@
           </a:p>
         </p:txBody>
       </p:sp>
+      <p:cxnSp>
+        <p:nvCxnSpPr>
+          <p:cNvPr id="12" name="Straight Arrow Connector 11"/>
+          <p:cNvCxnSpPr/>
+          <p:nvPr/>
+        </p:nvCxnSpPr>
+        <p:spPr>
+          <a:xfrm>
+            <a:off x="5809617" y="3565565"/>
+            <a:ext cx="2611676" cy="0"/>
+          </a:xfrm>
+          <a:prstGeom prst="straightConnector1">
+            <a:avLst/>
+          </a:prstGeom>
+          <a:ln>
+            <a:headEnd type="triangle"/>
+            <a:tailEnd type="triangle"/>
+          </a:ln>
+        </p:spPr>
+        <p:style>
+          <a:lnRef idx="1">
+            <a:schemeClr val="accent1"/>
+          </a:lnRef>
+          <a:fillRef idx="0">
+            <a:schemeClr val="accent1"/>
+          </a:fillRef>
+          <a:effectRef idx="0">
+            <a:schemeClr val="accent1"/>
+          </a:effectRef>
+          <a:fontRef idx="minor">
+            <a:schemeClr val="tx1"/>
+          </a:fontRef>
+        </p:style>
+      </p:cxnSp>
+      <p:sp>
+        <p:nvSpPr>
+          <p:cNvPr id="13" name="TextBox 12"/>
+          <p:cNvSpPr txBox="1"/>
+          <p:nvPr/>
+        </p:nvSpPr>
+        <p:spPr>
+          <a:xfrm>
+            <a:off x="6315273" y="3288566"/>
+            <a:ext cx="1114408" cy="276999"/>
+          </a:xfrm>
+          <a:prstGeom prst="rect">
+            <a:avLst/>
+          </a:prstGeom>
+          <a:noFill/>
+        </p:spPr>
+        <p:txBody>
+          <a:bodyPr wrap="none" rtlCol="0">
+            <a:spAutoFit/>
+          </a:bodyPr>
+          <a:lstStyle/>
+          <a:p>
+            <a:r>
+              <a:rPr lang="pt-BR" sz="1200" smtClean="0">
+                <a:latin typeface="Courier New" charset="0"/>
+                <a:ea typeface="Courier New" charset="0"/>
+                <a:cs typeface="Courier New" charset="0"/>
+              </a:rPr>
+              <a:t># </a:t>
+            </a:r>
+            <a:r>
+              <a:rPr lang="pt-BR" sz="1200" dirty="0" err="1" smtClean="0">
+                <a:latin typeface="Courier New" charset="0"/>
+                <a:ea typeface="Courier New" charset="0"/>
+                <a:cs typeface="Courier New" charset="0"/>
+              </a:rPr>
+              <a:t>of</a:t>
+            </a:r>
+            <a:r>
+              <a:rPr lang="pt-BR" sz="1200" dirty="0" smtClean="0">
+                <a:latin typeface="Courier New" charset="0"/>
+                <a:ea typeface="Courier New" charset="0"/>
+                <a:cs typeface="Courier New" charset="0"/>
+              </a:rPr>
+              <a:t> </a:t>
+            </a:r>
+            <a:r>
+              <a:rPr lang="pt-BR" sz="1200" dirty="0" err="1" smtClean="0">
+                <a:latin typeface="Courier New" charset="0"/>
+                <a:ea typeface="Courier New" charset="0"/>
+                <a:cs typeface="Courier New" charset="0"/>
+              </a:rPr>
+              <a:t>items</a:t>
+            </a:r>
+            <a:endParaRPr lang="en-US" sz="1200" dirty="0">
+              <a:latin typeface="Arial" charset="0"/>
+              <a:ea typeface="Arial" charset="0"/>
+              <a:cs typeface="Arial" charset="0"/>
+            </a:endParaRPr>
+          </a:p>
+        </p:txBody>
+      </p:sp>
     </p:spTree>
     <p:extLst>
       <p:ext uri="{BB962C8B-B14F-4D97-AF65-F5344CB8AC3E}">
@@ -39779,25 +39917,25 @@
           <a:lstStyle/>
           <a:p>
             <a:r>
-              <a:rPr lang="en-GB"/>
+              <a:rPr lang="en-GB" dirty="0"/>
               <a:t>Part </a:t>
             </a:r>
             <a:r>
-              <a:rPr lang="en-GB" smtClean="0"/>
+              <a:rPr lang="en-GB" dirty="0" smtClean="0"/>
               <a:t>4</a:t>
             </a:r>
             <a:r>
-              <a:rPr lang="en-GB"/>
+              <a:rPr lang="en-GB" dirty="0"/>
               <a:t/>
             </a:r>
             <a:br>
-              <a:rPr lang="en-GB"/>
+              <a:rPr lang="en-GB" dirty="0"/>
             </a:br>
             <a:r>
-              <a:rPr lang="en-GB" smtClean="0"/>
+              <a:rPr lang="en-GB" dirty="0" smtClean="0"/>
               <a:t>Demo!!</a:t>
             </a:r>
-            <a:endParaRPr lang="en-GB"/>
+            <a:endParaRPr lang="en-GB" dirty="0"/>
           </a:p>
         </p:txBody>
       </p:sp>
@@ -39816,7 +39954,23 @@
           <a:bodyPr/>
           <a:lstStyle/>
           <a:p>
-            <a:endParaRPr lang="en-GB"/>
+            <a:r>
+              <a:rPr lang="en-US" dirty="0" smtClean="0"/>
+              <a:t>Code: https</a:t>
+            </a:r>
+            <a:r>
+              <a:rPr lang="en-US" dirty="0"/>
+              <a:t>://</a:t>
+            </a:r>
+            <a:r>
+              <a:rPr lang="en-US" dirty="0" err="1"/>
+              <a:t>goo.gl</a:t>
+            </a:r>
+            <a:r>
+              <a:rPr lang="en-US" dirty="0"/>
+              <a:t>/4zDiby</a:t>
+            </a:r>
+            <a:endParaRPr lang="en-GB" dirty="0"/>
           </a:p>
         </p:txBody>
       </p:sp>
@@ -40165,7 +40319,23 @@
             </a:r>
             <a:r>
               <a:rPr lang="en-GB" dirty="0" smtClean="0"/>
-              <a:t>, a well documented, well tested python package which includes the BTM: </a:t>
+              <a:t>, a </a:t>
+            </a:r>
+            <a:r>
+              <a:rPr lang="en-GB" dirty="0" smtClean="0"/>
+              <a:t>python </a:t>
+            </a:r>
+            <a:r>
+              <a:rPr lang="en-GB" dirty="0" smtClean="0"/>
+              <a:t>package which includes </a:t>
+            </a:r>
+            <a:r>
+              <a:rPr lang="en-GB" dirty="0" smtClean="0"/>
+              <a:t>the Bradley-Terry model</a:t>
+            </a:r>
+            <a:r>
+              <a:rPr lang="en-GB" dirty="0" smtClean="0"/>
+              <a:t>: </a:t>
             </a:r>
             <a:r>
               <a:rPr lang="en-GB" dirty="0" smtClean="0">
